--- a/PPT/Angular17-PWA.pptx
+++ b/PPT/Angular17-PWA.pptx
@@ -3711,11 +3711,7 @@
             <a:pPr eaLnBrk="1" hangingPunct="1"/>
             <a:r>
               <a:rPr lang="fr-FR" altLang="fr-FR" smtClean="0"/>
-              <a:t>Chapitre </a:t>
-            </a:r>
-            <a:r>
-              <a:rPr lang="fr-FR" altLang="fr-FR" smtClean="0"/>
-              <a:t>17</a:t>
+              <a:t>Chapitre 17</a:t>
             </a:r>
             <a:endParaRPr lang="fr-FR" altLang="fr-FR" dirty="0" smtClean="0"/>
           </a:p>
@@ -4183,6 +4179,13 @@
   <p:clrMapOvr>
     <a:masterClrMapping/>
   </p:clrMapOvr>
+  <p:timing>
+    <p:tnLst>
+      <p:par>
+        <p:cTn id="1" dur="indefinite" restart="never" nodeType="tmRoot"/>
+      </p:par>
+    </p:tnLst>
+  </p:timing>
 </p:sld>
 </file>
 
@@ -4439,6 +4442,13 @@
   <p:clrMapOvr>
     <a:masterClrMapping/>
   </p:clrMapOvr>
+  <p:timing>
+    <p:tnLst>
+      <p:par>
+        <p:cTn id="1" dur="indefinite" restart="never" nodeType="tmRoot"/>
+      </p:par>
+    </p:tnLst>
+  </p:timing>
 </p:sld>
 </file>
 
@@ -4582,6 +4592,13 @@
   <p:clrMapOvr>
     <a:masterClrMapping/>
   </p:clrMapOvr>
+  <p:timing>
+    <p:tnLst>
+      <p:par>
+        <p:cTn id="1" dur="indefinite" restart="never" nodeType="tmRoot"/>
+      </p:par>
+    </p:tnLst>
+  </p:timing>
 </p:sld>
 </file>
 
@@ -4659,6 +4676,13 @@
   <p:clrMapOvr>
     <a:masterClrMapping/>
   </p:clrMapOvr>
+  <p:timing>
+    <p:tnLst>
+      <p:par>
+        <p:cTn id="1" dur="indefinite" restart="never" nodeType="tmRoot"/>
+      </p:par>
+    </p:tnLst>
+  </p:timing>
 </p:sld>
 </file>
 
@@ -4850,6 +4874,13 @@
   <p:clrMapOvr>
     <a:masterClrMapping/>
   </p:clrMapOvr>
+  <p:timing>
+    <p:tnLst>
+      <p:par>
+        <p:cTn id="1" dur="indefinite" restart="never" nodeType="tmRoot"/>
+      </p:par>
+    </p:tnLst>
+  </p:timing>
 </p:sld>
 </file>
 
@@ -4975,9 +5006,46 @@
               <a:t>manifest.webmanifest</a:t>
             </a:r>
             <a:r>
-              <a:rPr lang="fr-FR" dirty="0"/>
+              <a:rPr lang="fr-FR" dirty="0" smtClean="0"/>
               <a:t>"&gt;</a:t>
             </a:r>
+          </a:p>
+          <a:p>
+            <a:r>
+              <a:rPr lang="fr-FR" dirty="0" smtClean="0"/>
+              <a:t>Le display est:</a:t>
+            </a:r>
+          </a:p>
+          <a:p>
+            <a:pPr lvl="1"/>
+            <a:r>
+              <a:rPr lang="fr-FR" dirty="0" smtClean="0"/>
+              <a:t>browser, </a:t>
+            </a:r>
+            <a:r>
+              <a:rPr lang="fr-FR" dirty="0" err="1" smtClean="0"/>
+              <a:t>standalone</a:t>
+            </a:r>
+            <a:r>
+              <a:rPr lang="fr-FR" dirty="0" smtClean="0"/>
+              <a:t>, minimal-</a:t>
+            </a:r>
+            <a:r>
+              <a:rPr lang="fr-FR" dirty="0" err="1" smtClean="0"/>
+              <a:t>ui</a:t>
+            </a:r>
+            <a:r>
+              <a:rPr lang="fr-FR" dirty="0" smtClean="0"/>
+              <a:t>, </a:t>
+            </a:r>
+            <a:r>
+              <a:rPr lang="fr-FR" dirty="0" err="1" smtClean="0"/>
+              <a:t>fullscreen</a:t>
+            </a:r>
+            <a:endParaRPr lang="fr-FR" dirty="0" smtClean="0"/>
+          </a:p>
+          <a:p>
+            <a:endParaRPr lang="fr-FR" dirty="0"/>
           </a:p>
         </p:txBody>
       </p:sp>
@@ -5015,6 +5083,13 @@
   <p:clrMapOvr>
     <a:masterClrMapping/>
   </p:clrMapOvr>
+  <p:timing>
+    <p:tnLst>
+      <p:par>
+        <p:cTn id="1" dur="indefinite" restart="never" nodeType="tmRoot"/>
+      </p:par>
+    </p:tnLst>
+  </p:timing>
 </p:sld>
 </file>
 
@@ -5151,6 +5226,13 @@
   <p:clrMapOvr>
     <a:masterClrMapping/>
   </p:clrMapOvr>
+  <p:timing>
+    <p:tnLst>
+      <p:par>
+        <p:cTn id="1" dur="indefinite" restart="never" nodeType="tmRoot"/>
+      </p:par>
+    </p:tnLst>
+  </p:timing>
 </p:sld>
 </file>
 
@@ -5275,6 +5357,13 @@
   <p:clrMapOvr>
     <a:masterClrMapping/>
   </p:clrMapOvr>
+  <p:timing>
+    <p:tnLst>
+      <p:par>
+        <p:cTn id="1" dur="indefinite" restart="never" nodeType="tmRoot"/>
+      </p:par>
+    </p:tnLst>
+  </p:timing>
 </p:sld>
 </file>
 
@@ -5392,6 +5481,13 @@
   <p:clrMapOvr>
     <a:masterClrMapping/>
   </p:clrMapOvr>
+  <p:timing>
+    <p:tnLst>
+      <p:par>
+        <p:cTn id="1" dur="indefinite" restart="never" nodeType="tmRoot"/>
+      </p:par>
+    </p:tnLst>
+  </p:timing>
 </p:sld>
 </file>
 
@@ -5512,6 +5608,13 @@
   <p:clrMapOvr>
     <a:masterClrMapping/>
   </p:clrMapOvr>
+  <p:timing>
+    <p:tnLst>
+      <p:par>
+        <p:cTn id="1" dur="indefinite" restart="never" nodeType="tmRoot"/>
+      </p:par>
+    </p:tnLst>
+  </p:timing>
 </p:sld>
 </file>
 
@@ -5678,6 +5781,13 @@
   <p:clrMapOvr>
     <a:masterClrMapping/>
   </p:clrMapOvr>
+  <p:timing>
+    <p:tnLst>
+      <p:par>
+        <p:cTn id="1" dur="indefinite" restart="never" nodeType="tmRoot"/>
+      </p:par>
+    </p:tnLst>
+  </p:timing>
 </p:sld>
 </file>
 
@@ -5782,6 +5892,13 @@
   <p:clrMapOvr>
     <a:masterClrMapping/>
   </p:clrMapOvr>
+  <p:timing>
+    <p:tnLst>
+      <p:par>
+        <p:cTn id="1" dur="indefinite" restart="never" nodeType="tmRoot"/>
+      </p:par>
+    </p:tnLst>
+  </p:timing>
 </p:sld>
 </file>
 
@@ -5878,6 +5995,13 @@
   <p:clrMapOvr>
     <a:masterClrMapping/>
   </p:clrMapOvr>
+  <p:timing>
+    <p:tnLst>
+      <p:par>
+        <p:cTn id="1" dur="indefinite" restart="never" nodeType="tmRoot"/>
+      </p:par>
+    </p:tnLst>
+  </p:timing>
 </p:sld>
 </file>
 
@@ -6265,6 +6389,13 @@
   <p:clrMapOvr>
     <a:masterClrMapping/>
   </p:clrMapOvr>
+  <p:timing>
+    <p:tnLst>
+      <p:par>
+        <p:cTn id="1" dur="indefinite" restart="never" nodeType="tmRoot"/>
+      </p:par>
+    </p:tnLst>
+  </p:timing>
 </p:sld>
 </file>
 
@@ -6409,6 +6540,13 @@
   <p:clrMapOvr>
     <a:masterClrMapping/>
   </p:clrMapOvr>
+  <p:timing>
+    <p:tnLst>
+      <p:par>
+        <p:cTn id="1" dur="indefinite" restart="never" nodeType="tmRoot"/>
+      </p:par>
+    </p:tnLst>
+  </p:timing>
 </p:sld>
 </file>
 
@@ -6546,6 +6684,13 @@
   <p:clrMapOvr>
     <a:masterClrMapping/>
   </p:clrMapOvr>
+  <p:timing>
+    <p:tnLst>
+      <p:par>
+        <p:cTn id="1" dur="indefinite" restart="never" nodeType="tmRoot"/>
+      </p:par>
+    </p:tnLst>
+  </p:timing>
 </p:sld>
 </file>
 
@@ -6685,6 +6830,13 @@
   <p:clrMapOvr>
     <a:masterClrMapping/>
   </p:clrMapOvr>
+  <p:timing>
+    <p:tnLst>
+      <p:par>
+        <p:cTn id="1" dur="indefinite" restart="never" nodeType="tmRoot"/>
+      </p:par>
+    </p:tnLst>
+  </p:timing>
 </p:sld>
 </file>
 
@@ -6812,6 +6964,13 @@
   <p:clrMapOvr>
     <a:masterClrMapping/>
   </p:clrMapOvr>
+  <p:timing>
+    <p:tnLst>
+      <p:par>
+        <p:cTn id="1" dur="indefinite" restart="never" nodeType="tmRoot"/>
+      </p:par>
+    </p:tnLst>
+  </p:timing>
 </p:sld>
 </file>
 
@@ -6970,6 +7129,13 @@
   <p:clrMapOvr>
     <a:masterClrMapping/>
   </p:clrMapOvr>
+  <p:timing>
+    <p:tnLst>
+      <p:par>
+        <p:cTn id="1" dur="indefinite" restart="never" nodeType="tmRoot"/>
+      </p:par>
+    </p:tnLst>
+  </p:timing>
 </p:sld>
 </file>
 
@@ -7064,6 +7230,13 @@
   <p:clrMapOvr>
     <a:masterClrMapping/>
   </p:clrMapOvr>
+  <p:timing>
+    <p:tnLst>
+      <p:par>
+        <p:cTn id="1" dur="indefinite" restart="never" nodeType="tmRoot"/>
+      </p:par>
+    </p:tnLst>
+  </p:timing>
 </p:sld>
 </file>
 
@@ -7285,6 +7458,13 @@
   <p:clrMapOvr>
     <a:masterClrMapping/>
   </p:clrMapOvr>
+  <p:timing>
+    <p:tnLst>
+      <p:par>
+        <p:cTn id="1" dur="indefinite" restart="never" nodeType="tmRoot"/>
+      </p:par>
+    </p:tnLst>
+  </p:timing>
 </p:sld>
 </file>
 
@@ -7443,6 +7623,13 @@
   <p:clrMapOvr>
     <a:masterClrMapping/>
   </p:clrMapOvr>
+  <p:timing>
+    <p:tnLst>
+      <p:par>
+        <p:cTn id="1" dur="indefinite" restart="never" nodeType="tmRoot"/>
+      </p:par>
+    </p:tnLst>
+  </p:timing>
 </p:sld>
 </file>
 
